--- a/Projeto CTTU.pptx
+++ b/Projeto CTTU.pptx
@@ -36,21 +36,22 @@
     <p:sldId id="281" r:id="rId31"/>
     <p:sldId id="282" r:id="rId32"/>
     <p:sldId id="283" r:id="rId33"/>
+    <p:sldId id="284" r:id="rId34"/>
   </p:sldIdLst>
   <p:sldSz cy="5143500" cx="9144000"/>
   <p:notesSz cx="6858000" cy="9144000"/>
   <p:embeddedFontLst>
     <p:embeddedFont>
       <p:font typeface="Roboto Slab"/>
-      <p:regular r:id="rId34"/>
-      <p:bold r:id="rId35"/>
+      <p:regular r:id="rId35"/>
+      <p:bold r:id="rId36"/>
     </p:embeddedFont>
     <p:embeddedFont>
       <p:font typeface="Roboto"/>
-      <p:regular r:id="rId36"/>
-      <p:bold r:id="rId37"/>
-      <p:italic r:id="rId38"/>
-      <p:boldItalic r:id="rId39"/>
+      <p:regular r:id="rId37"/>
+      <p:bold r:id="rId38"/>
+      <p:italic r:id="rId39"/>
+      <p:boldItalic r:id="rId40"/>
     </p:embeddedFont>
   </p:embeddedFontLst>
   <p:defaultTextStyle>
@@ -2395,7 +2396,7 @@
   <p:cSld>
     <p:spTree>
       <p:nvGrpSpPr>
-        <p:cNvPr id="211" name="Shape 211"/>
+        <p:cNvPr id="212" name="Shape 212"/>
         <p:cNvGrpSpPr/>
         <p:nvPr/>
       </p:nvGrpSpPr>
@@ -2409,7 +2410,7 @@
       </p:grpSpPr>
       <p:sp>
         <p:nvSpPr>
-          <p:cNvPr id="212" name="Shape 212"/>
+          <p:cNvPr id="213" name="Shape 213"/>
           <p:cNvSpPr/>
           <p:nvPr>
             <p:ph idx="2" type="sldImg"/>
@@ -2443,7 +2444,7 @@
       </p:sp>
       <p:sp>
         <p:nvSpPr>
-          <p:cNvPr id="213" name="Shape 213"/>
+          <p:cNvPr id="214" name="Shape 214"/>
           <p:cNvSpPr txBox="1"/>
           <p:nvPr>
             <p:ph idx="1" type="body"/>
@@ -2591,7 +2592,7 @@
   <p:cSld>
     <p:spTree>
       <p:nvGrpSpPr>
-        <p:cNvPr id="224" name="Shape 224"/>
+        <p:cNvPr id="225" name="Shape 225"/>
         <p:cNvGrpSpPr/>
         <p:nvPr/>
       </p:nvGrpSpPr>
@@ -2605,7 +2606,7 @@
       </p:grpSpPr>
       <p:sp>
         <p:nvSpPr>
-          <p:cNvPr id="225" name="Shape 225"/>
+          <p:cNvPr id="226" name="Shape 226"/>
           <p:cNvSpPr/>
           <p:nvPr>
             <p:ph idx="2" type="sldImg"/>
@@ -2639,7 +2640,7 @@
       </p:sp>
       <p:sp>
         <p:nvSpPr>
-          <p:cNvPr id="226" name="Shape 226"/>
+          <p:cNvPr id="227" name="Shape 227"/>
           <p:cNvSpPr txBox="1"/>
           <p:nvPr>
             <p:ph idx="1" type="body"/>
@@ -2689,7 +2690,7 @@
   <p:cSld>
     <p:spTree>
       <p:nvGrpSpPr>
-        <p:cNvPr id="230" name="Shape 230"/>
+        <p:cNvPr id="231" name="Shape 231"/>
         <p:cNvGrpSpPr/>
         <p:nvPr/>
       </p:nvGrpSpPr>
@@ -2703,7 +2704,7 @@
       </p:grpSpPr>
       <p:sp>
         <p:nvSpPr>
-          <p:cNvPr id="231" name="Shape 231"/>
+          <p:cNvPr id="232" name="Shape 232"/>
           <p:cNvSpPr/>
           <p:nvPr>
             <p:ph idx="2" type="sldImg"/>
@@ -2737,7 +2738,105 @@
       </p:sp>
       <p:sp>
         <p:nvSpPr>
-          <p:cNvPr id="232" name="Shape 232"/>
+          <p:cNvPr id="233" name="Shape 233"/>
+          <p:cNvSpPr txBox="1"/>
+          <p:nvPr>
+            <p:ph idx="1" type="body"/>
+          </p:nvPr>
+        </p:nvSpPr>
+        <p:spPr>
+          <a:xfrm>
+            <a:off x="685800" y="4343400"/>
+            <a:ext cx="5486400" cy="4114800"/>
+          </a:xfrm>
+          <a:prstGeom prst="rect">
+            <a:avLst/>
+          </a:prstGeom>
+        </p:spPr>
+        <p:txBody>
+          <a:bodyPr anchorCtr="0" anchor="t" bIns="91425" lIns="91425" spcFirstLastPara="1" rIns="91425" wrap="square" tIns="91425">
+            <a:noAutofit/>
+          </a:bodyPr>
+          <a:lstStyle/>
+          <a:p>
+            <a:pPr indent="0" lvl="0" marL="0">
+              <a:spcBef>
+                <a:spcPts val="0"/>
+              </a:spcBef>
+              <a:spcAft>
+                <a:spcPts val="0"/>
+              </a:spcAft>
+              <a:buNone/>
+            </a:pPr>
+            <a:r>
+              <a:t/>
+            </a:r>
+            <a:endParaRPr/>
+          </a:p>
+        </p:txBody>
+      </p:sp>
+    </p:spTree>
+  </p:cSld>
+  <p:clrMapOvr>
+    <a:masterClrMapping/>
+  </p:clrMapOvr>
+</p:notes>
+</file>
+
+<file path=ppt/notesSlides/notesSlide29.xml><?xml version="1.0" encoding="utf-8"?>
+<p:notes xmlns:a="http://schemas.openxmlformats.org/drawingml/2006/main" xmlns:r="http://schemas.openxmlformats.org/officeDocument/2006/relationships" xmlns:mc="http://schemas.openxmlformats.org/markup-compatibility/2006" xmlns:mv="urn:schemas-microsoft-com:mac:vml" xmlns:p="http://schemas.openxmlformats.org/presentationml/2006/main" xmlns:c="http://schemas.openxmlformats.org/drawingml/2006/chart" xmlns:dgm="http://schemas.openxmlformats.org/drawingml/2006/diagram" xmlns:o="urn:schemas-microsoft-com:office:office" xmlns:v="urn:schemas-microsoft-com:vml" xmlns:pvml="urn:schemas-microsoft-com:office:powerpoint" xmlns:com="http://schemas.openxmlformats.org/drawingml/2006/compatibility" xmlns:p14="http://schemas.microsoft.com/office/powerpoint/2010/main" xmlns:p15="http://schemas.microsoft.com/office/powerpoint/2012/main" showMasterPhAnim="0" showMasterSp="0">
+  <p:cSld>
+    <p:spTree>
+      <p:nvGrpSpPr>
+        <p:cNvPr id="237" name="Shape 237"/>
+        <p:cNvGrpSpPr/>
+        <p:nvPr/>
+      </p:nvGrpSpPr>
+      <p:grpSpPr>
+        <a:xfrm>
+          <a:off x="0" y="0"/>
+          <a:ext cx="0" cy="0"/>
+          <a:chOff x="0" y="0"/>
+          <a:chExt cx="0" cy="0"/>
+        </a:xfrm>
+      </p:grpSpPr>
+      <p:sp>
+        <p:nvSpPr>
+          <p:cNvPr id="238" name="Shape 238"/>
+          <p:cNvSpPr/>
+          <p:nvPr>
+            <p:ph idx="2" type="sldImg"/>
+          </p:nvPr>
+        </p:nvSpPr>
+        <p:spPr>
+          <a:xfrm>
+            <a:off x="381300" y="685800"/>
+            <a:ext cx="6096000" cy="3429000"/>
+          </a:xfrm>
+          <a:custGeom>
+            <a:pathLst>
+              <a:path extrusionOk="0" h="120000" w="120000">
+                <a:moveTo>
+                  <a:pt x="0" y="0"/>
+                </a:moveTo>
+                <a:lnTo>
+                  <a:pt x="120000" y="0"/>
+                </a:lnTo>
+                <a:lnTo>
+                  <a:pt x="120000" y="120000"/>
+                </a:lnTo>
+                <a:lnTo>
+                  <a:pt x="0" y="120000"/>
+                </a:lnTo>
+                <a:close/>
+              </a:path>
+            </a:pathLst>
+          </a:custGeom>
+        </p:spPr>
+      </p:sp>
+      <p:sp>
+        <p:nvSpPr>
+          <p:cNvPr id="239" name="Shape 239"/>
           <p:cNvSpPr txBox="1"/>
           <p:nvPr>
             <p:ph idx="1" type="body"/>
@@ -10769,6 +10868,127 @@
             </a:pPr>
             <a:r>
               <a:rPr lang="pt-BR"/>
+              <a:t>Acidentes com Fiscalização</a:t>
+            </a:r>
+            <a:endParaRPr/>
+          </a:p>
+        </p:txBody>
+      </p:sp>
+      <p:pic>
+        <p:nvPicPr>
+          <p:cNvPr id="210" name="Shape 210"/>
+          <p:cNvPicPr preferRelativeResize="0"/>
+          <p:nvPr/>
+        </p:nvPicPr>
+        <p:blipFill>
+          <a:blip r:embed="rId3">
+            <a:alphaModFix/>
+          </a:blip>
+          <a:stretch>
+            <a:fillRect/>
+          </a:stretch>
+        </p:blipFill>
+        <p:spPr>
+          <a:xfrm>
+            <a:off x="152400" y="1296525"/>
+            <a:ext cx="4219575" cy="2937475"/>
+          </a:xfrm>
+          <a:prstGeom prst="rect">
+            <a:avLst/>
+          </a:prstGeom>
+          <a:noFill/>
+          <a:ln>
+            <a:noFill/>
+          </a:ln>
+        </p:spPr>
+      </p:pic>
+      <p:pic>
+        <p:nvPicPr>
+          <p:cNvPr id="211" name="Shape 211"/>
+          <p:cNvPicPr preferRelativeResize="0"/>
+          <p:nvPr/>
+        </p:nvPicPr>
+        <p:blipFill>
+          <a:blip r:embed="rId4">
+            <a:alphaModFix/>
+          </a:blip>
+          <a:stretch>
+            <a:fillRect/>
+          </a:stretch>
+        </p:blipFill>
+        <p:spPr>
+          <a:xfrm>
+            <a:off x="4512800" y="1296525"/>
+            <a:ext cx="4467225" cy="2937482"/>
+          </a:xfrm>
+          <a:prstGeom prst="rect">
+            <a:avLst/>
+          </a:prstGeom>
+          <a:noFill/>
+          <a:ln>
+            <a:noFill/>
+          </a:ln>
+        </p:spPr>
+      </p:pic>
+    </p:spTree>
+  </p:cSld>
+  <p:clrMapOvr>
+    <a:masterClrMapping/>
+  </p:clrMapOvr>
+</p:sld>
+</file>
+
+<file path=ppt/slides/slide25.xml><?xml version="1.0" encoding="utf-8"?>
+<p:sld xmlns:a="http://schemas.openxmlformats.org/drawingml/2006/main" xmlns:r="http://schemas.openxmlformats.org/officeDocument/2006/relationships" xmlns:mc="http://schemas.openxmlformats.org/markup-compatibility/2006" xmlns:mv="urn:schemas-microsoft-com:mac:vml" xmlns:p="http://schemas.openxmlformats.org/presentationml/2006/main" xmlns:c="http://schemas.openxmlformats.org/drawingml/2006/chart" xmlns:dgm="http://schemas.openxmlformats.org/drawingml/2006/diagram" xmlns:o="urn:schemas-microsoft-com:office:office" xmlns:v="urn:schemas-microsoft-com:vml" xmlns:pvml="urn:schemas-microsoft-com:office:powerpoint" xmlns:com="http://schemas.openxmlformats.org/drawingml/2006/compatibility" xmlns:p14="http://schemas.microsoft.com/office/powerpoint/2010/main" xmlns:p15="http://schemas.microsoft.com/office/powerpoint/2012/main">
+  <p:cSld>
+    <p:spTree>
+      <p:nvGrpSpPr>
+        <p:cNvPr id="215" name="Shape 215"/>
+        <p:cNvGrpSpPr/>
+        <p:nvPr/>
+      </p:nvGrpSpPr>
+      <p:grpSpPr>
+        <a:xfrm>
+          <a:off x="0" y="0"/>
+          <a:ext cx="0" cy="0"/>
+          <a:chOff x="0" y="0"/>
+          <a:chExt cx="0" cy="0"/>
+        </a:xfrm>
+      </p:grpSpPr>
+      <p:sp>
+        <p:nvSpPr>
+          <p:cNvPr id="216" name="Shape 216"/>
+          <p:cNvSpPr txBox="1"/>
+          <p:nvPr>
+            <p:ph type="title"/>
+          </p:nvPr>
+        </p:nvSpPr>
+        <p:spPr>
+          <a:xfrm>
+            <a:off x="387900" y="458025"/>
+            <a:ext cx="8368200" cy="686100"/>
+          </a:xfrm>
+          <a:prstGeom prst="rect">
+            <a:avLst/>
+          </a:prstGeom>
+        </p:spPr>
+        <p:txBody>
+          <a:bodyPr anchorCtr="0" anchor="b" bIns="91425" lIns="91425" spcFirstLastPara="1" rIns="91425" wrap="square" tIns="91425">
+            <a:noAutofit/>
+          </a:bodyPr>
+          <a:lstStyle/>
+          <a:p>
+            <a:pPr indent="0" lvl="0" marL="0">
+              <a:spcBef>
+                <a:spcPts val="0"/>
+              </a:spcBef>
+              <a:spcAft>
+                <a:spcPts val="0"/>
+              </a:spcAft>
+              <a:buNone/>
+            </a:pPr>
+            <a:r>
+              <a:rPr lang="pt-BR"/>
               <a:t>Análise - Infrações com Monitoramento</a:t>
             </a:r>
             <a:endParaRPr/>
@@ -10777,7 +10997,7 @@
       </p:sp>
       <p:sp>
         <p:nvSpPr>
-          <p:cNvPr id="210" name="Shape 210"/>
+          <p:cNvPr id="217" name="Shape 217"/>
           <p:cNvSpPr txBox="1"/>
           <p:nvPr>
             <p:ph idx="1" type="body"/>
@@ -10851,127 +11071,6 @@
           </a:p>
         </p:txBody>
       </p:sp>
-    </p:spTree>
-  </p:cSld>
-  <p:clrMapOvr>
-    <a:masterClrMapping/>
-  </p:clrMapOvr>
-</p:sld>
-</file>
-
-<file path=ppt/slides/slide25.xml><?xml version="1.0" encoding="utf-8"?>
-<p:sld xmlns:a="http://schemas.openxmlformats.org/drawingml/2006/main" xmlns:r="http://schemas.openxmlformats.org/officeDocument/2006/relationships" xmlns:mc="http://schemas.openxmlformats.org/markup-compatibility/2006" xmlns:mv="urn:schemas-microsoft-com:mac:vml" xmlns:p="http://schemas.openxmlformats.org/presentationml/2006/main" xmlns:c="http://schemas.openxmlformats.org/drawingml/2006/chart" xmlns:dgm="http://schemas.openxmlformats.org/drawingml/2006/diagram" xmlns:o="urn:schemas-microsoft-com:office:office" xmlns:v="urn:schemas-microsoft-com:vml" xmlns:pvml="urn:schemas-microsoft-com:office:powerpoint" xmlns:com="http://schemas.openxmlformats.org/drawingml/2006/compatibility" xmlns:p14="http://schemas.microsoft.com/office/powerpoint/2010/main" xmlns:p15="http://schemas.microsoft.com/office/powerpoint/2012/main">
-  <p:cSld>
-    <p:spTree>
-      <p:nvGrpSpPr>
-        <p:cNvPr id="214" name="Shape 214"/>
-        <p:cNvGrpSpPr/>
-        <p:nvPr/>
-      </p:nvGrpSpPr>
-      <p:grpSpPr>
-        <a:xfrm>
-          <a:off x="0" y="0"/>
-          <a:ext cx="0" cy="0"/>
-          <a:chOff x="0" y="0"/>
-          <a:chExt cx="0" cy="0"/>
-        </a:xfrm>
-      </p:grpSpPr>
-      <p:sp>
-        <p:nvSpPr>
-          <p:cNvPr id="215" name="Shape 215"/>
-          <p:cNvSpPr txBox="1"/>
-          <p:nvPr>
-            <p:ph type="title"/>
-          </p:nvPr>
-        </p:nvSpPr>
-        <p:spPr>
-          <a:xfrm>
-            <a:off x="387900" y="458025"/>
-            <a:ext cx="8368200" cy="686100"/>
-          </a:xfrm>
-          <a:prstGeom prst="rect">
-            <a:avLst/>
-          </a:prstGeom>
-        </p:spPr>
-        <p:txBody>
-          <a:bodyPr anchorCtr="0" anchor="b" bIns="91425" lIns="91425" spcFirstLastPara="1" rIns="91425" wrap="square" tIns="91425">
-            <a:noAutofit/>
-          </a:bodyPr>
-          <a:lstStyle/>
-          <a:p>
-            <a:pPr indent="0" lvl="0" marL="0">
-              <a:spcBef>
-                <a:spcPts val="0"/>
-              </a:spcBef>
-              <a:spcAft>
-                <a:spcPts val="0"/>
-              </a:spcAft>
-              <a:buNone/>
-            </a:pPr>
-            <a:r>
-              <a:rPr lang="pt-BR"/>
-              <a:t>Análise - Acidentes e Infrações</a:t>
-            </a:r>
-            <a:endParaRPr/>
-          </a:p>
-        </p:txBody>
-      </p:sp>
-      <p:pic>
-        <p:nvPicPr>
-          <p:cNvPr id="216" name="Shape 216"/>
-          <p:cNvPicPr preferRelativeResize="0"/>
-          <p:nvPr/>
-        </p:nvPicPr>
-        <p:blipFill>
-          <a:blip r:embed="rId3">
-            <a:alphaModFix/>
-          </a:blip>
-          <a:stretch>
-            <a:fillRect/>
-          </a:stretch>
-        </p:blipFill>
-        <p:spPr>
-          <a:xfrm>
-            <a:off x="4629475" y="1423638"/>
-            <a:ext cx="3943350" cy="2600325"/>
-          </a:xfrm>
-          <a:prstGeom prst="rect">
-            <a:avLst/>
-          </a:prstGeom>
-          <a:noFill/>
-          <a:ln>
-            <a:noFill/>
-          </a:ln>
-        </p:spPr>
-      </p:pic>
-      <p:pic>
-        <p:nvPicPr>
-          <p:cNvPr id="217" name="Shape 217"/>
-          <p:cNvPicPr preferRelativeResize="0"/>
-          <p:nvPr/>
-        </p:nvPicPr>
-        <p:blipFill>
-          <a:blip r:embed="rId4">
-            <a:alphaModFix/>
-          </a:blip>
-          <a:stretch>
-            <a:fillRect/>
-          </a:stretch>
-        </p:blipFill>
-        <p:spPr>
-          <a:xfrm>
-            <a:off x="187075" y="1428413"/>
-            <a:ext cx="4181475" cy="2590800"/>
-          </a:xfrm>
-          <a:prstGeom prst="rect">
-            <a:avLst/>
-          </a:prstGeom>
-          <a:noFill/>
-          <a:ln>
-            <a:noFill/>
-          </a:ln>
-        </p:spPr>
-      </p:pic>
     </p:spTree>
   </p:cSld>
   <p:clrMapOvr>
@@ -11031,70 +11130,68 @@
             </a:pPr>
             <a:r>
               <a:rPr lang="pt-BR"/>
-              <a:t>Planos Futuros</a:t>
+              <a:t>Análise - Acidentes e Infrações</a:t>
             </a:r>
             <a:endParaRPr/>
           </a:p>
         </p:txBody>
       </p:sp>
-      <p:sp>
-        <p:nvSpPr>
+      <p:pic>
+        <p:nvPicPr>
           <p:cNvPr id="223" name="Shape 223"/>
-          <p:cNvSpPr txBox="1"/>
-          <p:nvPr>
-            <p:ph idx="1" type="body"/>
-          </p:nvPr>
-        </p:nvSpPr>
-        <p:spPr>
-          <a:xfrm>
-            <a:off x="387900" y="1489824"/>
-            <a:ext cx="8368200" cy="3078900"/>
+          <p:cNvPicPr preferRelativeResize="0"/>
+          <p:nvPr/>
+        </p:nvPicPr>
+        <p:blipFill>
+          <a:blip r:embed="rId3">
+            <a:alphaModFix/>
+          </a:blip>
+          <a:stretch>
+            <a:fillRect/>
+          </a:stretch>
+        </p:blipFill>
+        <p:spPr>
+          <a:xfrm>
+            <a:off x="4629475" y="1423638"/>
+            <a:ext cx="3943350" cy="2600325"/>
           </a:xfrm>
           <a:prstGeom prst="rect">
             <a:avLst/>
           </a:prstGeom>
-        </p:spPr>
-        <p:txBody>
-          <a:bodyPr anchorCtr="0" anchor="t" bIns="91425" lIns="91425" spcFirstLastPara="1" rIns="91425" wrap="square" tIns="91425">
-            <a:noAutofit/>
-          </a:bodyPr>
-          <a:lstStyle/>
-          <a:p>
-            <a:pPr indent="-342900" lvl="0" marL="457200" rtl="0">
-              <a:spcBef>
-                <a:spcPts val="0"/>
-              </a:spcBef>
-              <a:spcAft>
-                <a:spcPts val="0"/>
-              </a:spcAft>
-              <a:buSzPts val="1800"/>
-              <a:buChar char="●"/>
-            </a:pPr>
-            <a:r>
-              <a:rPr lang="pt-BR"/>
-              <a:t>Correlacionar acidentes e infrações </a:t>
-            </a:r>
-            <a:endParaRPr/>
-          </a:p>
-          <a:p>
-            <a:pPr indent="-342900" lvl="0" marL="457200" rtl="0">
-              <a:spcBef>
-                <a:spcPts val="0"/>
-              </a:spcBef>
-              <a:spcAft>
-                <a:spcPts val="0"/>
-              </a:spcAft>
-              <a:buSzPts val="1800"/>
-              <a:buChar char="●"/>
-            </a:pPr>
-            <a:r>
-              <a:rPr lang="pt-BR"/>
-              <a:t>Criar modelo para predizer se houve acidente com vítima ou não</a:t>
-            </a:r>
-            <a:endParaRPr/>
-          </a:p>
-        </p:txBody>
-      </p:sp>
+          <a:noFill/>
+          <a:ln>
+            <a:noFill/>
+          </a:ln>
+        </p:spPr>
+      </p:pic>
+      <p:pic>
+        <p:nvPicPr>
+          <p:cNvPr id="224" name="Shape 224"/>
+          <p:cNvPicPr preferRelativeResize="0"/>
+          <p:nvPr/>
+        </p:nvPicPr>
+        <p:blipFill>
+          <a:blip r:embed="rId4">
+            <a:alphaModFix/>
+          </a:blip>
+          <a:stretch>
+            <a:fillRect/>
+          </a:stretch>
+        </p:blipFill>
+        <p:spPr>
+          <a:xfrm>
+            <a:off x="187075" y="1428413"/>
+            <a:ext cx="4181475" cy="2590800"/>
+          </a:xfrm>
+          <a:prstGeom prst="rect">
+            <a:avLst/>
+          </a:prstGeom>
+          <a:noFill/>
+          <a:ln>
+            <a:noFill/>
+          </a:ln>
+        </p:spPr>
+      </p:pic>
     </p:spTree>
   </p:cSld>
   <p:clrMapOvr>
@@ -11108,7 +11205,7 @@
   <p:cSld>
     <p:spTree>
       <p:nvGrpSpPr>
-        <p:cNvPr id="227" name="Shape 227"/>
+        <p:cNvPr id="228" name="Shape 228"/>
         <p:cNvGrpSpPr/>
         <p:nvPr/>
       </p:nvGrpSpPr>
@@ -11122,7 +11219,130 @@
       </p:grpSpPr>
       <p:sp>
         <p:nvSpPr>
-          <p:cNvPr id="228" name="Shape 228"/>
+          <p:cNvPr id="229" name="Shape 229"/>
+          <p:cNvSpPr txBox="1"/>
+          <p:nvPr>
+            <p:ph type="title"/>
+          </p:nvPr>
+        </p:nvSpPr>
+        <p:spPr>
+          <a:xfrm>
+            <a:off x="387900" y="458025"/>
+            <a:ext cx="8368200" cy="686100"/>
+          </a:xfrm>
+          <a:prstGeom prst="rect">
+            <a:avLst/>
+          </a:prstGeom>
+        </p:spPr>
+        <p:txBody>
+          <a:bodyPr anchorCtr="0" anchor="b" bIns="91425" lIns="91425" spcFirstLastPara="1" rIns="91425" wrap="square" tIns="91425">
+            <a:noAutofit/>
+          </a:bodyPr>
+          <a:lstStyle/>
+          <a:p>
+            <a:pPr indent="0" lvl="0" marL="0">
+              <a:spcBef>
+                <a:spcPts val="0"/>
+              </a:spcBef>
+              <a:spcAft>
+                <a:spcPts val="0"/>
+              </a:spcAft>
+              <a:buNone/>
+            </a:pPr>
+            <a:r>
+              <a:rPr lang="pt-BR"/>
+              <a:t>Planos Futuros</a:t>
+            </a:r>
+            <a:endParaRPr/>
+          </a:p>
+        </p:txBody>
+      </p:sp>
+      <p:sp>
+        <p:nvSpPr>
+          <p:cNvPr id="230" name="Shape 230"/>
+          <p:cNvSpPr txBox="1"/>
+          <p:nvPr>
+            <p:ph idx="1" type="body"/>
+          </p:nvPr>
+        </p:nvSpPr>
+        <p:spPr>
+          <a:xfrm>
+            <a:off x="387900" y="1489824"/>
+            <a:ext cx="8368200" cy="3078900"/>
+          </a:xfrm>
+          <a:prstGeom prst="rect">
+            <a:avLst/>
+          </a:prstGeom>
+        </p:spPr>
+        <p:txBody>
+          <a:bodyPr anchorCtr="0" anchor="t" bIns="91425" lIns="91425" spcFirstLastPara="1" rIns="91425" wrap="square" tIns="91425">
+            <a:noAutofit/>
+          </a:bodyPr>
+          <a:lstStyle/>
+          <a:p>
+            <a:pPr indent="-342900" lvl="0" marL="457200" rtl="0">
+              <a:spcBef>
+                <a:spcPts val="0"/>
+              </a:spcBef>
+              <a:spcAft>
+                <a:spcPts val="0"/>
+              </a:spcAft>
+              <a:buSzPts val="1800"/>
+              <a:buChar char="●"/>
+            </a:pPr>
+            <a:r>
+              <a:rPr lang="pt-BR"/>
+              <a:t>Correlacionar acidentes e infrações </a:t>
+            </a:r>
+            <a:endParaRPr/>
+          </a:p>
+          <a:p>
+            <a:pPr indent="-342900" lvl="0" marL="457200" rtl="0">
+              <a:spcBef>
+                <a:spcPts val="0"/>
+              </a:spcBef>
+              <a:spcAft>
+                <a:spcPts val="0"/>
+              </a:spcAft>
+              <a:buSzPts val="1800"/>
+              <a:buChar char="●"/>
+            </a:pPr>
+            <a:r>
+              <a:rPr lang="pt-BR"/>
+              <a:t>Criar modelo para predizer se houve acidente com vítima ou não</a:t>
+            </a:r>
+            <a:endParaRPr/>
+          </a:p>
+        </p:txBody>
+      </p:sp>
+    </p:spTree>
+  </p:cSld>
+  <p:clrMapOvr>
+    <a:masterClrMapping/>
+  </p:clrMapOvr>
+</p:sld>
+</file>
+
+<file path=ppt/slides/slide28.xml><?xml version="1.0" encoding="utf-8"?>
+<p:sld xmlns:a="http://schemas.openxmlformats.org/drawingml/2006/main" xmlns:r="http://schemas.openxmlformats.org/officeDocument/2006/relationships" xmlns:mc="http://schemas.openxmlformats.org/markup-compatibility/2006" xmlns:mv="urn:schemas-microsoft-com:mac:vml" xmlns:p="http://schemas.openxmlformats.org/presentationml/2006/main" xmlns:c="http://schemas.openxmlformats.org/drawingml/2006/chart" xmlns:dgm="http://schemas.openxmlformats.org/drawingml/2006/diagram" xmlns:o="urn:schemas-microsoft-com:office:office" xmlns:v="urn:schemas-microsoft-com:vml" xmlns:pvml="urn:schemas-microsoft-com:office:powerpoint" xmlns:com="http://schemas.openxmlformats.org/drawingml/2006/compatibility" xmlns:p14="http://schemas.microsoft.com/office/powerpoint/2010/main" xmlns:p15="http://schemas.microsoft.com/office/powerpoint/2012/main">
+  <p:cSld>
+    <p:spTree>
+      <p:nvGrpSpPr>
+        <p:cNvPr id="234" name="Shape 234"/>
+        <p:cNvGrpSpPr/>
+        <p:nvPr/>
+      </p:nvGrpSpPr>
+      <p:grpSpPr>
+        <a:xfrm>
+          <a:off x="0" y="0"/>
+          <a:ext cx="0" cy="0"/>
+          <a:chOff x="0" y="0"/>
+          <a:chExt cx="0" cy="0"/>
+        </a:xfrm>
+      </p:grpSpPr>
+      <p:sp>
+        <p:nvSpPr>
+          <p:cNvPr id="235" name="Shape 235"/>
           <p:cNvSpPr txBox="1"/>
           <p:nvPr>
             <p:ph type="title"/>
@@ -11162,7 +11382,7 @@
       </p:sp>
       <p:sp>
         <p:nvSpPr>
-          <p:cNvPr id="229" name="Shape 229"/>
+          <p:cNvPr id="236" name="Shape 236"/>
           <p:cNvSpPr txBox="1"/>
           <p:nvPr>
             <p:ph idx="1" type="body"/>
@@ -11545,12 +11765,12 @@
 </p:sld>
 </file>
 
-<file path=ppt/slides/slide28.xml><?xml version="1.0" encoding="utf-8"?>
+<file path=ppt/slides/slide29.xml><?xml version="1.0" encoding="utf-8"?>
 <p:sld xmlns:a="http://schemas.openxmlformats.org/drawingml/2006/main" xmlns:r="http://schemas.openxmlformats.org/officeDocument/2006/relationships" xmlns:mc="http://schemas.openxmlformats.org/markup-compatibility/2006" xmlns:mv="urn:schemas-microsoft-com:mac:vml" xmlns:p="http://schemas.openxmlformats.org/presentationml/2006/main" xmlns:c="http://schemas.openxmlformats.org/drawingml/2006/chart" xmlns:dgm="http://schemas.openxmlformats.org/drawingml/2006/diagram" xmlns:o="urn:schemas-microsoft-com:office:office" xmlns:v="urn:schemas-microsoft-com:vml" xmlns:pvml="urn:schemas-microsoft-com:office:powerpoint" xmlns:com="http://schemas.openxmlformats.org/drawingml/2006/compatibility" xmlns:p14="http://schemas.microsoft.com/office/powerpoint/2010/main" xmlns:p15="http://schemas.microsoft.com/office/powerpoint/2012/main">
   <p:cSld>
     <p:spTree>
       <p:nvGrpSpPr>
-        <p:cNvPr id="233" name="Shape 233"/>
+        <p:cNvPr id="240" name="Shape 240"/>
         <p:cNvGrpSpPr/>
         <p:nvPr/>
       </p:nvGrpSpPr>
@@ -11564,7 +11784,7 @@
       </p:grpSpPr>
       <p:sp>
         <p:nvSpPr>
-          <p:cNvPr id="234" name="Shape 234"/>
+          <p:cNvPr id="241" name="Shape 241"/>
           <p:cNvSpPr txBox="1"/>
           <p:nvPr>
             <p:ph type="title"/>
